--- a/C++ Russia 2019/Asynchronous programming in C++ RUS.pptx
+++ b/C++ Russia 2019/Asynchronous programming in C++ RUS.pptx
@@ -1,6 +1,6 @@
 
 <file path=ppt/presentation.xml><?xml version="1.0" encoding="utf-8"?>
-<p:presentation xmlns:a="http://schemas.openxmlformats.org/drawingml/2006/main" xmlns:r="http://schemas.openxmlformats.org/officeDocument/2006/relationships" xmlns:p="http://schemas.openxmlformats.org/presentationml/2006/main" saveSubsetFonts="1">
+<p:presentation xmlns:a="http://schemas.openxmlformats.org/drawingml/2006/main" xmlns:r="http://schemas.openxmlformats.org/officeDocument/2006/relationships" xmlns:p="http://schemas.openxmlformats.org/presentationml/2006/main" embedTrueTypeFonts="1" saveSubsetFonts="1">
   <p:sldMasterIdLst>
     <p:sldMasterId id="2147483648" r:id="rId1"/>
   </p:sldMasterIdLst>
@@ -56,6 +56,27 @@
   </p:sldIdLst>
   <p:sldSz cx="12192000" cy="6858000"/>
   <p:notesSz cx="6858000" cy="9144000"/>
+  <p:embeddedFontLst>
+    <p:embeddedFont>
+      <p:font typeface="Calibri" panose="020F0502020204030204" pitchFamily="34" charset="0"/>
+      <p:regular r:id="rId48"/>
+      <p:bold r:id="rId49"/>
+      <p:italic r:id="rId50"/>
+      <p:boldItalic r:id="rId51"/>
+    </p:embeddedFont>
+    <p:embeddedFont>
+      <p:font typeface="Calibri Light" panose="020F0302020204030204" pitchFamily="34" charset="0"/>
+      <p:regular r:id="rId52"/>
+      <p:italic r:id="rId53"/>
+    </p:embeddedFont>
+    <p:embeddedFont>
+      <p:font typeface="Consolas" panose="020B0609020204030204" pitchFamily="49" charset="0"/>
+      <p:regular r:id="rId54"/>
+      <p:bold r:id="rId55"/>
+      <p:italic r:id="rId56"/>
+      <p:boldItalic r:id="rId57"/>
+    </p:embeddedFont>
+  </p:embeddedFontLst>
   <p:defaultTextStyle>
     <a:defPPr>
       <a:defRPr lang="en-US"/>
@@ -294,7 +315,7 @@
           <a:p>
             <a:fld id="{9D8E9D44-C387-43EE-AA5C-03B8A544E598}" type="datetimeFigureOut">
               <a:rPr lang="en-US" smtClean="0"/>
-              <a:t>4/14/2019</a:t>
+              <a:t>2023-05-29</a:t>
             </a:fld>
             <a:endParaRPr lang="en-US"/>
           </a:p>
@@ -1652,7 +1673,7 @@
           <a:p>
             <a:fld id="{0D206F93-ACD7-44B6-BB7A-8778CFD3A7FC}" type="datetime1">
               <a:rPr lang="en-US" smtClean="0"/>
-              <a:t>4/14/2019</a:t>
+              <a:t>2023-05-29</a:t>
             </a:fld>
             <a:endParaRPr lang="en-US"/>
           </a:p>
@@ -1820,7 +1841,7 @@
           <a:p>
             <a:fld id="{140BCD82-5760-4B77-A82C-A18AE1190E4A}" type="datetime1">
               <a:rPr lang="en-US" smtClean="0"/>
-              <a:t>4/14/2019</a:t>
+              <a:t>2023-05-29</a:t>
             </a:fld>
             <a:endParaRPr lang="en-US"/>
           </a:p>
@@ -1998,7 +2019,7 @@
           <a:p>
             <a:fld id="{5473F53B-907E-480C-A55E-E838F58D6C00}" type="datetime1">
               <a:rPr lang="en-US" smtClean="0"/>
-              <a:t>4/14/2019</a:t>
+              <a:t>2023-05-29</a:t>
             </a:fld>
             <a:endParaRPr lang="en-US"/>
           </a:p>
@@ -2176,7 +2197,7 @@
           <a:p>
             <a:fld id="{44CFA5C7-A5D5-430C-8B5C-1A976961B1D8}" type="datetime1">
               <a:rPr lang="en-US" smtClean="0"/>
-              <a:t>4/14/2019</a:t>
+              <a:t>2023-05-29</a:t>
             </a:fld>
             <a:endParaRPr lang="en-US"/>
           </a:p>
@@ -2421,7 +2442,7 @@
           <a:p>
             <a:fld id="{BECAD16A-36D5-4511-A081-433960612F66}" type="datetime1">
               <a:rPr lang="en-US" smtClean="0"/>
-              <a:t>4/14/2019</a:t>
+              <a:t>2023-05-29</a:t>
             </a:fld>
             <a:endParaRPr lang="en-US"/>
           </a:p>
@@ -2660,7 +2681,7 @@
           <a:p>
             <a:fld id="{92DCFC02-DB08-497D-A165-B5162DFD6D3B}" type="datetime1">
               <a:rPr lang="en-US" smtClean="0"/>
-              <a:t>4/14/2019</a:t>
+              <a:t>2023-05-29</a:t>
             </a:fld>
             <a:endParaRPr lang="en-US"/>
           </a:p>
@@ -3034,7 +3055,7 @@
           <a:p>
             <a:fld id="{78D90E86-7AFC-4322-8BD2-73B2C9B62CC5}" type="datetime1">
               <a:rPr lang="en-US" smtClean="0"/>
-              <a:t>4/14/2019</a:t>
+              <a:t>2023-05-29</a:t>
             </a:fld>
             <a:endParaRPr lang="en-US"/>
           </a:p>
@@ -3161,7 +3182,7 @@
           <a:p>
             <a:fld id="{DE7A654D-C1AE-4D57-B35A-5D7969AC53B6}" type="datetime1">
               <a:rPr lang="en-US" smtClean="0"/>
-              <a:t>4/14/2019</a:t>
+              <a:t>2023-05-29</a:t>
             </a:fld>
             <a:endParaRPr lang="en-US"/>
           </a:p>
@@ -3256,7 +3277,7 @@
           <a:p>
             <a:fld id="{B0EA3A01-9A1C-4D19-9E5A-99A3AEA3135A}" type="datetime1">
               <a:rPr lang="en-US" smtClean="0"/>
-              <a:t>4/14/2019</a:t>
+              <a:t>2023-05-29</a:t>
             </a:fld>
             <a:endParaRPr lang="en-US"/>
           </a:p>
@@ -3531,7 +3552,7 @@
           <a:p>
             <a:fld id="{EE44611E-1C12-442B-9FC5-07253A826750}" type="datetime1">
               <a:rPr lang="en-US" smtClean="0"/>
-              <a:t>4/14/2019</a:t>
+              <a:t>2023-05-29</a:t>
             </a:fld>
             <a:endParaRPr lang="en-US"/>
           </a:p>
@@ -3783,7 +3804,7 @@
           <a:p>
             <a:fld id="{98031418-0917-46C2-93DE-68FACDECAB94}" type="datetime1">
               <a:rPr lang="en-US" smtClean="0"/>
-              <a:t>4/14/2019</a:t>
+              <a:t>2023-05-29</a:t>
             </a:fld>
             <a:endParaRPr lang="en-US"/>
           </a:p>
@@ -3997,7 +4018,7 @@
           <a:p>
             <a:fld id="{892CCE56-B055-48B7-A42B-112699D98314}" type="datetime1">
               <a:rPr lang="en-US" smtClean="0"/>
-              <a:t>4/14/2019</a:t>
+              <a:t>2023-05-29</a:t>
             </a:fld>
             <a:endParaRPr lang="en-US"/>
           </a:p>
